--- a/doc/Report/Feb 28 2021.pptx
+++ b/doc/Report/Feb 28 2021.pptx
@@ -210,7 +210,7 @@
           <a:p>
             <a:fld id="{97BE2177-E45B-449F-AE2E-ED4743253C6D}" type="datetimeFigureOut">
               <a:rPr lang="zh-CN" altLang="en-US" smtClean="0"/>
-              <a:t>2021/2/18</a:t>
+              <a:t>2021/3/20</a:t>
             </a:fld>
             <a:endParaRPr lang="zh-CN" altLang="en-US"/>
           </a:p>
@@ -960,7 +960,7 @@
           <a:p>
             <a:fld id="{B9614994-C529-43AC-BD2C-52D47B0301A5}" type="datetimeFigureOut">
               <a:rPr lang="zh-CN" altLang="en-US" smtClean="0"/>
-              <a:t>2021/2/18</a:t>
+              <a:t>2021/3/20</a:t>
             </a:fld>
             <a:endParaRPr lang="zh-CN" altLang="en-US"/>
           </a:p>
@@ -1158,7 +1158,7 @@
           <a:p>
             <a:fld id="{B9614994-C529-43AC-BD2C-52D47B0301A5}" type="datetimeFigureOut">
               <a:rPr lang="zh-CN" altLang="en-US" smtClean="0"/>
-              <a:t>2021/2/18</a:t>
+              <a:t>2021/3/20</a:t>
             </a:fld>
             <a:endParaRPr lang="zh-CN" altLang="en-US"/>
           </a:p>
@@ -1366,7 +1366,7 @@
           <a:p>
             <a:fld id="{B9614994-C529-43AC-BD2C-52D47B0301A5}" type="datetimeFigureOut">
               <a:rPr lang="zh-CN" altLang="en-US" smtClean="0"/>
-              <a:t>2021/2/18</a:t>
+              <a:t>2021/3/20</a:t>
             </a:fld>
             <a:endParaRPr lang="zh-CN" altLang="en-US"/>
           </a:p>
@@ -1564,7 +1564,7 @@
           <a:p>
             <a:fld id="{B9614994-C529-43AC-BD2C-52D47B0301A5}" type="datetimeFigureOut">
               <a:rPr lang="zh-CN" altLang="en-US" smtClean="0"/>
-              <a:t>2021/2/18</a:t>
+              <a:t>2021/3/20</a:t>
             </a:fld>
             <a:endParaRPr lang="zh-CN" altLang="en-US"/>
           </a:p>
@@ -1839,7 +1839,7 @@
           <a:p>
             <a:fld id="{B9614994-C529-43AC-BD2C-52D47B0301A5}" type="datetimeFigureOut">
               <a:rPr lang="zh-CN" altLang="en-US" smtClean="0"/>
-              <a:t>2021/2/18</a:t>
+              <a:t>2021/3/20</a:t>
             </a:fld>
             <a:endParaRPr lang="zh-CN" altLang="en-US"/>
           </a:p>
@@ -2104,7 +2104,7 @@
           <a:p>
             <a:fld id="{B9614994-C529-43AC-BD2C-52D47B0301A5}" type="datetimeFigureOut">
               <a:rPr lang="zh-CN" altLang="en-US" smtClean="0"/>
-              <a:t>2021/2/18</a:t>
+              <a:t>2021/3/20</a:t>
             </a:fld>
             <a:endParaRPr lang="zh-CN" altLang="en-US"/>
           </a:p>
@@ -2516,7 +2516,7 @@
           <a:p>
             <a:fld id="{B9614994-C529-43AC-BD2C-52D47B0301A5}" type="datetimeFigureOut">
               <a:rPr lang="zh-CN" altLang="en-US" smtClean="0"/>
-              <a:t>2021/2/18</a:t>
+              <a:t>2021/3/20</a:t>
             </a:fld>
             <a:endParaRPr lang="zh-CN" altLang="en-US"/>
           </a:p>
@@ -2657,7 +2657,7 @@
           <a:p>
             <a:fld id="{B9614994-C529-43AC-BD2C-52D47B0301A5}" type="datetimeFigureOut">
               <a:rPr lang="zh-CN" altLang="en-US" smtClean="0"/>
-              <a:t>2021/2/18</a:t>
+              <a:t>2021/3/20</a:t>
             </a:fld>
             <a:endParaRPr lang="zh-CN" altLang="en-US"/>
           </a:p>
@@ -2770,7 +2770,7 @@
           <a:p>
             <a:fld id="{B9614994-C529-43AC-BD2C-52D47B0301A5}" type="datetimeFigureOut">
               <a:rPr lang="zh-CN" altLang="en-US" smtClean="0"/>
-              <a:t>2021/2/18</a:t>
+              <a:t>2021/3/20</a:t>
             </a:fld>
             <a:endParaRPr lang="zh-CN" altLang="en-US"/>
           </a:p>
@@ -3081,7 +3081,7 @@
           <a:p>
             <a:fld id="{B9614994-C529-43AC-BD2C-52D47B0301A5}" type="datetimeFigureOut">
               <a:rPr lang="zh-CN" altLang="en-US" smtClean="0"/>
-              <a:t>2021/2/18</a:t>
+              <a:t>2021/3/20</a:t>
             </a:fld>
             <a:endParaRPr lang="zh-CN" altLang="en-US"/>
           </a:p>
@@ -3369,7 +3369,7 @@
           <a:p>
             <a:fld id="{B9614994-C529-43AC-BD2C-52D47B0301A5}" type="datetimeFigureOut">
               <a:rPr lang="zh-CN" altLang="en-US" smtClean="0"/>
-              <a:t>2021/2/18</a:t>
+              <a:t>2021/3/20</a:t>
             </a:fld>
             <a:endParaRPr lang="zh-CN" altLang="en-US"/>
           </a:p>
@@ -3610,7 +3610,7 @@
           <a:p>
             <a:fld id="{B9614994-C529-43AC-BD2C-52D47B0301A5}" type="datetimeFigureOut">
               <a:rPr lang="zh-CN" altLang="en-US" smtClean="0"/>
-              <a:t>2021/2/18</a:t>
+              <a:t>2021/3/20</a:t>
             </a:fld>
             <a:endParaRPr lang="zh-CN" altLang="en-US"/>
           </a:p>
@@ -4088,12 +4088,36 @@
           <a:lstStyle/>
           <a:p>
             <a:r>
+              <a:rPr lang="en-US" sz="2000" dirty="0">
+                <a:latin typeface="Calibri" charset="0"/>
+                <a:ea typeface="Calibri" charset="0"/>
+                <a:cs typeface="Calibri" charset="0"/>
+              </a:rPr>
+              <a:t>Enmao Diao</a:t>
+            </a:r>
+            <a:r>
+              <a:rPr lang="en-US" sz="2000" baseline="30000" dirty="0">
+                <a:latin typeface="Calibri" charset="0"/>
+                <a:ea typeface="Calibri" charset="0"/>
+                <a:cs typeface="Calibri" charset="0"/>
+              </a:rPr>
+              <a:t>1</a:t>
+            </a:r>
+            <a:r>
+              <a:rPr lang="en-US" sz="2000" dirty="0">
+                <a:latin typeface="Calibri" charset="0"/>
+                <a:ea typeface="Calibri" charset="0"/>
+                <a:cs typeface="Calibri" charset="0"/>
+              </a:rPr>
+              <a:t>    </a:t>
+            </a:r>
+            <a:r>
               <a:rPr lang="en-US" sz="2000" dirty="0" err="1">
                 <a:latin typeface="Calibri" charset="0"/>
                 <a:ea typeface="Calibri" charset="0"/>
                 <a:cs typeface="Calibri" charset="0"/>
               </a:rPr>
-              <a:t>Enmao</a:t>
+              <a:t>Jie</a:t>
             </a:r>
             <a:r>
               <a:rPr lang="en-US" sz="2000" dirty="0">
@@ -4101,15 +4125,31 @@
                 <a:ea typeface="Calibri" charset="0"/>
                 <a:cs typeface="Calibri" charset="0"/>
               </a:rPr>
-              <a:t> </a:t>
-            </a:r>
-            <a:r>
-              <a:rPr lang="en-US" sz="2000" dirty="0" err="1">
+              <a:t> Ding</a:t>
+            </a:r>
+            <a:r>
+              <a:rPr lang="en-US" sz="2000" baseline="30000" dirty="0">
                 <a:latin typeface="Calibri" charset="0"/>
                 <a:ea typeface="Calibri" charset="0"/>
                 <a:cs typeface="Calibri" charset="0"/>
               </a:rPr>
-              <a:t>Diao</a:t>
+              <a:t>2</a:t>
+            </a:r>
+            <a:r>
+              <a:rPr lang="en-US" sz="2000" dirty="0">
+                <a:latin typeface="Calibri" charset="0"/>
+                <a:ea typeface="Calibri" charset="0"/>
+                <a:cs typeface="Calibri" charset="0"/>
+              </a:rPr>
+              <a:t>    Vahid Tarokh</a:t>
+            </a:r>
+            <a:r>
+              <a:rPr lang="en-US" altLang="zh-CN" sz="2000" baseline="30000" dirty="0">
+                <a:latin typeface="Calibri" charset="0"/>
+                <a:ea typeface="Calibri" charset="0"/>
+                <a:cs typeface="Calibri" charset="0"/>
+              </a:rPr>
+              <a:t>1</a:t>
             </a:r>
             <a:endParaRPr lang="en-US" sz="2000" dirty="0">
               <a:latin typeface="Calibri" charset="0"/>
@@ -4119,20 +4159,28 @@
           </a:p>
           <a:p>
             <a:r>
+              <a:rPr lang="en-US" altLang="zh-CN" sz="2000" baseline="30000" dirty="0">
+                <a:latin typeface="Calibri" charset="0"/>
+                <a:ea typeface="Calibri" charset="0"/>
+                <a:cs typeface="Calibri" charset="0"/>
+              </a:rPr>
+              <a:t>1</a:t>
+            </a:r>
+            <a:r>
               <a:rPr lang="en-US" sz="2000" dirty="0">
                 <a:latin typeface="Calibri" charset="0"/>
                 <a:ea typeface="Calibri" charset="0"/>
                 <a:cs typeface="Calibri" charset="0"/>
               </a:rPr>
-              <a:t>F</a:t>
-            </a:r>
-            <a:r>
-              <a:rPr lang="en-US" altLang="zh-CN" sz="2000" dirty="0">
+              <a:t>Duke University    </a:t>
+            </a:r>
+            <a:r>
+              <a:rPr lang="en-US" altLang="zh-CN" sz="2000" baseline="30000" dirty="0">
                 <a:latin typeface="Calibri" charset="0"/>
                 <a:ea typeface="Calibri" charset="0"/>
                 <a:cs typeface="Calibri" charset="0"/>
               </a:rPr>
-              <a:t>eb</a:t>
+              <a:t>2</a:t>
             </a:r>
             <a:r>
               <a:rPr lang="en-US" sz="2000" dirty="0">
@@ -4140,7 +4188,7 @@
                 <a:ea typeface="Calibri" charset="0"/>
                 <a:cs typeface="Calibri" charset="0"/>
               </a:rPr>
-              <a:t> 19, 2020</a:t>
+              <a:t>University of Minnesota-Twin Cities</a:t>
             </a:r>
           </a:p>
         </p:txBody>
